--- a/Pontos didaticos modulo ML.pptx
+++ b/Pontos didaticos modulo ML.pptx
@@ -3098,7 +3098,7 @@
           <a:p>
             <a:fld id="{87C3C0AE-9479-4983-8CB1-AB05384FA850}" type="datetimeFigureOut">
               <a:rPr lang="pt-BR" smtClean="0"/>
-              <a:t>03/02/2022</a:t>
+              <a:t>07/02/2022</a:t>
             </a:fld>
             <a:endParaRPr lang="pt-BR"/>
           </a:p>
@@ -3268,7 +3268,7 @@
           <a:p>
             <a:fld id="{87C3C0AE-9479-4983-8CB1-AB05384FA850}" type="datetimeFigureOut">
               <a:rPr lang="pt-BR" smtClean="0"/>
-              <a:t>03/02/2022</a:t>
+              <a:t>07/02/2022</a:t>
             </a:fld>
             <a:endParaRPr lang="pt-BR"/>
           </a:p>
@@ -3448,7 +3448,7 @@
           <a:p>
             <a:fld id="{87C3C0AE-9479-4983-8CB1-AB05384FA850}" type="datetimeFigureOut">
               <a:rPr lang="pt-BR" smtClean="0"/>
-              <a:t>03/02/2022</a:t>
+              <a:t>07/02/2022</a:t>
             </a:fld>
             <a:endParaRPr lang="pt-BR"/>
           </a:p>
@@ -3618,7 +3618,7 @@
           <a:p>
             <a:fld id="{87C3C0AE-9479-4983-8CB1-AB05384FA850}" type="datetimeFigureOut">
               <a:rPr lang="pt-BR" smtClean="0"/>
-              <a:t>03/02/2022</a:t>
+              <a:t>07/02/2022</a:t>
             </a:fld>
             <a:endParaRPr lang="pt-BR"/>
           </a:p>
@@ -3862,7 +3862,7 @@
           <a:p>
             <a:fld id="{87C3C0AE-9479-4983-8CB1-AB05384FA850}" type="datetimeFigureOut">
               <a:rPr lang="pt-BR" smtClean="0"/>
-              <a:t>03/02/2022</a:t>
+              <a:t>07/02/2022</a:t>
             </a:fld>
             <a:endParaRPr lang="pt-BR"/>
           </a:p>
@@ -4094,7 +4094,7 @@
           <a:p>
             <a:fld id="{87C3C0AE-9479-4983-8CB1-AB05384FA850}" type="datetimeFigureOut">
               <a:rPr lang="pt-BR" smtClean="0"/>
-              <a:t>03/02/2022</a:t>
+              <a:t>07/02/2022</a:t>
             </a:fld>
             <a:endParaRPr lang="pt-BR"/>
           </a:p>
@@ -4461,7 +4461,7 @@
           <a:p>
             <a:fld id="{87C3C0AE-9479-4983-8CB1-AB05384FA850}" type="datetimeFigureOut">
               <a:rPr lang="pt-BR" smtClean="0"/>
-              <a:t>03/02/2022</a:t>
+              <a:t>07/02/2022</a:t>
             </a:fld>
             <a:endParaRPr lang="pt-BR"/>
           </a:p>
@@ -4579,7 +4579,7 @@
           <a:p>
             <a:fld id="{87C3C0AE-9479-4983-8CB1-AB05384FA850}" type="datetimeFigureOut">
               <a:rPr lang="pt-BR" smtClean="0"/>
-              <a:t>03/02/2022</a:t>
+              <a:t>07/02/2022</a:t>
             </a:fld>
             <a:endParaRPr lang="pt-BR"/>
           </a:p>
@@ -4674,7 +4674,7 @@
           <a:p>
             <a:fld id="{87C3C0AE-9479-4983-8CB1-AB05384FA850}" type="datetimeFigureOut">
               <a:rPr lang="pt-BR" smtClean="0"/>
-              <a:t>03/02/2022</a:t>
+              <a:t>07/02/2022</a:t>
             </a:fld>
             <a:endParaRPr lang="pt-BR"/>
           </a:p>
@@ -4951,7 +4951,7 @@
           <a:p>
             <a:fld id="{87C3C0AE-9479-4983-8CB1-AB05384FA850}" type="datetimeFigureOut">
               <a:rPr lang="pt-BR" smtClean="0"/>
-              <a:t>03/02/2022</a:t>
+              <a:t>07/02/2022</a:t>
             </a:fld>
             <a:endParaRPr lang="pt-BR"/>
           </a:p>
@@ -5208,7 +5208,7 @@
           <a:p>
             <a:fld id="{87C3C0AE-9479-4983-8CB1-AB05384FA850}" type="datetimeFigureOut">
               <a:rPr lang="pt-BR" smtClean="0"/>
-              <a:t>03/02/2022</a:t>
+              <a:t>07/02/2022</a:t>
             </a:fld>
             <a:endParaRPr lang="pt-BR"/>
           </a:p>
@@ -5421,7 +5421,7 @@
           <a:p>
             <a:fld id="{87C3C0AE-9479-4983-8CB1-AB05384FA850}" type="datetimeFigureOut">
               <a:rPr lang="pt-BR" smtClean="0"/>
-              <a:t>03/02/2022</a:t>
+              <a:t>07/02/2022</a:t>
             </a:fld>
             <a:endParaRPr lang="pt-BR"/>
           </a:p>
@@ -10524,12 +10524,23 @@
             <p:ph type="title"/>
           </p:nvPr>
         </p:nvSpPr>
-        <p:spPr/>
+        <p:spPr>
+          <a:xfrm>
+            <a:off x="471488" y="527405"/>
+            <a:ext cx="5915025" cy="456315"/>
+          </a:xfrm>
+        </p:spPr>
         <p:txBody>
-          <a:bodyPr/>
+          <a:bodyPr>
+            <a:normAutofit fontScale="90000"/>
+          </a:bodyPr>
           <a:lstStyle/>
           <a:p>
-            <a:endParaRPr lang="pt-BR"/>
+            <a:r>
+              <a:rPr lang="pt-BR" dirty="0" err="1"/>
+              <a:t>KNN</a:t>
+            </a:r>
+            <a:endParaRPr lang="pt-BR" dirty="0"/>
           </a:p>
         </p:txBody>
       </p:sp>
@@ -10554,7 +10565,55 @@
           <a:bodyPr/>
           <a:lstStyle/>
           <a:p>
-            <a:endParaRPr lang="pt-BR"/>
+            <a:r>
+              <a:rPr lang="pt-BR" dirty="0"/>
+              <a:t>Todos os algoritmos de </a:t>
+            </a:r>
+            <a:r>
+              <a:rPr lang="pt-BR" dirty="0" err="1"/>
+              <a:t>Clusterização</a:t>
+            </a:r>
+            <a:r>
+              <a:rPr lang="pt-BR" dirty="0"/>
+              <a:t> são “</a:t>
+            </a:r>
+            <a:r>
+              <a:rPr lang="pt-BR" dirty="0" err="1"/>
+              <a:t>Lazy</a:t>
+            </a:r>
+            <a:r>
+              <a:rPr lang="pt-BR" dirty="0"/>
+              <a:t> Learning”. Cada observação nova muda o contexto. Tecnicamente não existe um modelo – é um algoritmo. Mas pode ser usado assim. </a:t>
+            </a:r>
+          </a:p>
+          <a:p>
+            <a:r>
+              <a:rPr lang="pt-BR" dirty="0" err="1"/>
+              <a:t>Metodo</a:t>
+            </a:r>
+            <a:r>
+              <a:rPr lang="pt-BR" dirty="0"/>
+              <a:t> do joelho; comparação entre teste e treino</a:t>
+            </a:r>
+          </a:p>
+          <a:p>
+            <a:r>
+              <a:rPr lang="pt-BR" dirty="0" err="1"/>
+              <a:t>KNN</a:t>
+            </a:r>
+            <a:r>
+              <a:rPr lang="pt-BR" dirty="0"/>
+              <a:t> é supervisionado, favor não confundir com </a:t>
+            </a:r>
+            <a:r>
+              <a:rPr lang="pt-BR" dirty="0" err="1"/>
+              <a:t>Kmeans</a:t>
+            </a:r>
+            <a:r>
+              <a:rPr lang="pt-BR"/>
+              <a:t>)</a:t>
+            </a:r>
+            <a:endParaRPr lang="pt-BR" dirty="0"/>
           </a:p>
         </p:txBody>
       </p:sp>
